--- a/Abbildungen/wtfi_9_klinische_forschung.pptx
+++ b/Abbildungen/wtfi_9_klinische_forschung.pptx
@@ -104,6 +104,11 @@
       </a:defRPr>
     </a:lvl9pPr>
   </p:defaultTextStyle>
+  <p:extLst>
+    <p:ext uri="{EFAFB233-063F-42B5-8137-9DF3F51BA10A}">
+      <p15:sldGuideLst xmlns:p15="http://schemas.microsoft.com/office/powerpoint/2012/main"/>
+    </p:ext>
+  </p:extLst>
 </p:presentation>
 </file>
 
@@ -238,7 +243,7 @@
           <a:p>
             <a:fld id="{51BCCF01-26B7-4A41-9BE9-A8D5676ACC9D}" type="datetimeFigureOut">
               <a:rPr lang="de-DE" smtClean="0"/>
-              <a:t>08.10.2021</a:t>
+              <a:t>13.12.2022</a:t>
             </a:fld>
             <a:endParaRPr lang="de-DE"/>
           </a:p>
@@ -408,7 +413,7 @@
           <a:p>
             <a:fld id="{51BCCF01-26B7-4A41-9BE9-A8D5676ACC9D}" type="datetimeFigureOut">
               <a:rPr lang="de-DE" smtClean="0"/>
-              <a:t>08.10.2021</a:t>
+              <a:t>13.12.2022</a:t>
             </a:fld>
             <a:endParaRPr lang="de-DE"/>
           </a:p>
@@ -588,7 +593,7 @@
           <a:p>
             <a:fld id="{51BCCF01-26B7-4A41-9BE9-A8D5676ACC9D}" type="datetimeFigureOut">
               <a:rPr lang="de-DE" smtClean="0"/>
-              <a:t>08.10.2021</a:t>
+              <a:t>13.12.2022</a:t>
             </a:fld>
             <a:endParaRPr lang="de-DE"/>
           </a:p>
@@ -758,7 +763,7 @@
           <a:p>
             <a:fld id="{51BCCF01-26B7-4A41-9BE9-A8D5676ACC9D}" type="datetimeFigureOut">
               <a:rPr lang="de-DE" smtClean="0"/>
-              <a:t>08.10.2021</a:t>
+              <a:t>13.12.2022</a:t>
             </a:fld>
             <a:endParaRPr lang="de-DE"/>
           </a:p>
@@ -1004,7 +1009,7 @@
           <a:p>
             <a:fld id="{51BCCF01-26B7-4A41-9BE9-A8D5676ACC9D}" type="datetimeFigureOut">
               <a:rPr lang="de-DE" smtClean="0"/>
-              <a:t>08.10.2021</a:t>
+              <a:t>13.12.2022</a:t>
             </a:fld>
             <a:endParaRPr lang="de-DE"/>
           </a:p>
@@ -1236,7 +1241,7 @@
           <a:p>
             <a:fld id="{51BCCF01-26B7-4A41-9BE9-A8D5676ACC9D}" type="datetimeFigureOut">
               <a:rPr lang="de-DE" smtClean="0"/>
-              <a:t>08.10.2021</a:t>
+              <a:t>13.12.2022</a:t>
             </a:fld>
             <a:endParaRPr lang="de-DE"/>
           </a:p>
@@ -1603,7 +1608,7 @@
           <a:p>
             <a:fld id="{51BCCF01-26B7-4A41-9BE9-A8D5676ACC9D}" type="datetimeFigureOut">
               <a:rPr lang="de-DE" smtClean="0"/>
-              <a:t>08.10.2021</a:t>
+              <a:t>13.12.2022</a:t>
             </a:fld>
             <a:endParaRPr lang="de-DE"/>
           </a:p>
@@ -1721,7 +1726,7 @@
           <a:p>
             <a:fld id="{51BCCF01-26B7-4A41-9BE9-A8D5676ACC9D}" type="datetimeFigureOut">
               <a:rPr lang="de-DE" smtClean="0"/>
-              <a:t>08.10.2021</a:t>
+              <a:t>13.12.2022</a:t>
             </a:fld>
             <a:endParaRPr lang="de-DE"/>
           </a:p>
@@ -1816,7 +1821,7 @@
           <a:p>
             <a:fld id="{51BCCF01-26B7-4A41-9BE9-A8D5676ACC9D}" type="datetimeFigureOut">
               <a:rPr lang="de-DE" smtClean="0"/>
-              <a:t>08.10.2021</a:t>
+              <a:t>13.12.2022</a:t>
             </a:fld>
             <a:endParaRPr lang="de-DE"/>
           </a:p>
@@ -2093,7 +2098,7 @@
           <a:p>
             <a:fld id="{51BCCF01-26B7-4A41-9BE9-A8D5676ACC9D}" type="datetimeFigureOut">
               <a:rPr lang="de-DE" smtClean="0"/>
-              <a:t>08.10.2021</a:t>
+              <a:t>13.12.2022</a:t>
             </a:fld>
             <a:endParaRPr lang="de-DE"/>
           </a:p>
@@ -2350,7 +2355,7 @@
           <a:p>
             <a:fld id="{51BCCF01-26B7-4A41-9BE9-A8D5676ACC9D}" type="datetimeFigureOut">
               <a:rPr lang="de-DE" smtClean="0"/>
-              <a:t>08.10.2021</a:t>
+              <a:t>13.12.2022</a:t>
             </a:fld>
             <a:endParaRPr lang="de-DE"/>
           </a:p>
@@ -2563,7 +2568,7 @@
           <a:p>
             <a:fld id="{51BCCF01-26B7-4A41-9BE9-A8D5676ACC9D}" type="datetimeFigureOut">
               <a:rPr lang="de-DE" smtClean="0"/>
-              <a:t>08.10.2021</a:t>
+              <a:t>13.12.2022</a:t>
             </a:fld>
             <a:endParaRPr lang="de-DE"/>
           </a:p>
@@ -3115,8 +3120,8 @@
         </p:nvSpPr>
         <p:spPr>
           <a:xfrm>
-            <a:off x="5096442" y="66536"/>
-            <a:ext cx="3233578" cy="430887"/>
+            <a:off x="4963397" y="66535"/>
+            <a:ext cx="3499676" cy="430887"/>
           </a:xfrm>
           <a:prstGeom prst="rect">
             <a:avLst/>
@@ -3135,7 +3140,23 @@
                 <a:ea typeface="CMU Sans Serif" panose="02000603000000000000" pitchFamily="2" charset="0"/>
                 <a:cs typeface="CMU Sans Serif" panose="02000603000000000000" pitchFamily="2" charset="0"/>
               </a:rPr>
-              <a:t>Klassische Psychotherapie</a:t>
+              <a:t>Face-</a:t>
+            </a:r>
+            <a:r>
+              <a:rPr lang="de-DE" sz="2200" dirty="0" err="1">
+                <a:latin typeface="CMU Sans Serif" panose="02000603000000000000" pitchFamily="2" charset="0"/>
+                <a:ea typeface="CMU Sans Serif" panose="02000603000000000000" pitchFamily="2" charset="0"/>
+                <a:cs typeface="CMU Sans Serif" panose="02000603000000000000" pitchFamily="2" charset="0"/>
+              </a:rPr>
+              <a:t>to</a:t>
+            </a:r>
+            <a:r>
+              <a:rPr lang="de-DE" sz="2200" dirty="0">
+                <a:latin typeface="CMU Sans Serif" panose="02000603000000000000" pitchFamily="2" charset="0"/>
+                <a:ea typeface="CMU Sans Serif" panose="02000603000000000000" pitchFamily="2" charset="0"/>
+                <a:cs typeface="CMU Sans Serif" panose="02000603000000000000" pitchFamily="2" charset="0"/>
+              </a:rPr>
+              <a:t>-face Psychotherapie</a:t>
             </a:r>
           </a:p>
         </p:txBody>
